--- a/Wireframes/Specialist Portal/ppt/Specialist Portal ppt.pptx
+++ b/Wireframes/Specialist Portal/ppt/Specialist Portal ppt.pptx
@@ -118,6 +118,7 @@
   <p1510:revLst>
     <p1510:client id="{98627E06-AEBB-4FDC-E369-9A7758064BDB}" v="6" dt="2021-07-16T10:42:09.087"/>
     <p1510:client id="{B201E036-DF64-4015-9043-5AFBB587003C}" v="32" dt="2021-07-15T15:54:19.219"/>
+    <p1510:client id="{C50574A4-DBA8-F54B-F874-C042E295706F}" v="5" dt="2021-07-16T11:24:39.135"/>
   </p1510:revLst>
 </p1510:revInfo>
 </file>
@@ -210,6 +211,46 @@
         </pc:picChg>
         <pc:picChg chg="add mod ord">
           <ac:chgData name="Saju Francis" userId="S::safr@falconorange.com::231373bf-4827-4a6e-8472-71f88b2b7aa6" providerId="AD" clId="Web-{98627E06-AEBB-4FDC-E369-9A7758064BDB}" dt="2021-07-16T10:42:09.087" v="4" actId="14100"/>
+          <ac:picMkLst>
+            <pc:docMk/>
+            <pc:sldMk cId="3344709653" sldId="257"/>
+            <ac:picMk id="6" creationId="{D2EF4C60-9B3C-411E-9F74-BE11E5BCCB73}"/>
+          </ac:picMkLst>
+        </pc:picChg>
+      </pc:sldChg>
+    </pc:docChg>
+  </pc:docChgLst>
+  <pc:docChgLst>
+    <pc:chgData name="Saju Francis" userId="S::safr@falconorange.com::231373bf-4827-4a6e-8472-71f88b2b7aa6" providerId="AD" clId="Web-{C50574A4-DBA8-F54B-F874-C042E295706F}"/>
+    <pc:docChg chg="modSld">
+      <pc:chgData name="Saju Francis" userId="S::safr@falconorange.com::231373bf-4827-4a6e-8472-71f88b2b7aa6" providerId="AD" clId="Web-{C50574A4-DBA8-F54B-F874-C042E295706F}" dt="2021-07-16T11:24:39.135" v="3" actId="14100"/>
+      <pc:docMkLst>
+        <pc:docMk/>
+      </pc:docMkLst>
+      <pc:sldChg chg="addSp delSp modSp">
+        <pc:chgData name="Saju Francis" userId="S::safr@falconorange.com::231373bf-4827-4a6e-8472-71f88b2b7aa6" providerId="AD" clId="Web-{C50574A4-DBA8-F54B-F874-C042E295706F}" dt="2021-07-16T11:24:39.135" v="3" actId="14100"/>
+        <pc:sldMkLst>
+          <pc:docMk/>
+          <pc:sldMk cId="3344709653" sldId="257"/>
+        </pc:sldMkLst>
+        <pc:spChg chg="add del mod">
+          <ac:chgData name="Saju Francis" userId="S::safr@falconorange.com::231373bf-4827-4a6e-8472-71f88b2b7aa6" providerId="AD" clId="Web-{C50574A4-DBA8-F54B-F874-C042E295706F}" dt="2021-07-16T11:24:29.244" v="1"/>
+          <ac:spMkLst>
+            <pc:docMk/>
+            <pc:sldMk cId="3344709653" sldId="257"/>
+            <ac:spMk id="4" creationId="{4026492D-17ED-4282-AC62-74A1CFB0578B}"/>
+          </ac:spMkLst>
+        </pc:spChg>
+        <pc:picChg chg="add mod ord">
+          <ac:chgData name="Saju Francis" userId="S::safr@falconorange.com::231373bf-4827-4a6e-8472-71f88b2b7aa6" providerId="AD" clId="Web-{C50574A4-DBA8-F54B-F874-C042E295706F}" dt="2021-07-16T11:24:39.135" v="3" actId="14100"/>
+          <ac:picMkLst>
+            <pc:docMk/>
+            <pc:sldMk cId="3344709653" sldId="257"/>
+            <ac:picMk id="5" creationId="{C90B37A4-DEF0-45FB-BED5-BC4FBE46A0F7}"/>
+          </ac:picMkLst>
+        </pc:picChg>
+        <pc:picChg chg="del">
+          <ac:chgData name="Saju Francis" userId="S::safr@falconorange.com::231373bf-4827-4a6e-8472-71f88b2b7aa6" providerId="AD" clId="Web-{C50574A4-DBA8-F54B-F874-C042E295706F}" dt="2021-07-16T11:24:23.947" v="0"/>
           <ac:picMkLst>
             <pc:docMk/>
             <pc:sldMk cId="3344709653" sldId="257"/>
@@ -3184,10 +3225,10 @@
       </p:sp>
       <p:pic>
         <p:nvPicPr>
-          <p:cNvPr id="6" name="Picture 6" descr="Graphical user interface, text, application, chat or text message&#10;&#10;Description automatically generated">
+          <p:cNvPr id="5" name="Picture 6" descr="Graphical user interface, text, application, chat or text message&#10;&#10;Description automatically generated">
             <a:extLst>
               <a:ext uri="{FF2B5EF4-FFF2-40B4-BE49-F238E27FC236}">
-                <a16:creationId xmlns:a16="http://schemas.microsoft.com/office/drawing/2014/main" id="{D2EF4C60-9B3C-411E-9F74-BE11E5BCCB73}"/>
+                <a16:creationId xmlns:a16="http://schemas.microsoft.com/office/drawing/2014/main" id="{C90B37A4-DEF0-45FB-BED5-BC4FBE46A0F7}"/>
               </a:ext>
             </a:extLst>
           </p:cNvPr>
@@ -3206,8 +3247,8 @@
         </p:blipFill>
         <p:spPr>
           <a:xfrm>
-            <a:off x="4774" y="-1087"/>
-            <a:ext cx="12182450" cy="6856543"/>
+            <a:off x="-1412" y="588"/>
+            <a:ext cx="12192890" cy="6856543"/>
           </a:xfrm>
         </p:spPr>
       </p:pic>
